--- a/docs/diagrams/CreateTransformationActivityDiagram.pptx
+++ b/docs/diagrams/CreateTransformationActivityDiagram.pptx
@@ -3633,41 +3633,6 @@
       </p:sp>
       <p:sp>
         <p:nvSpPr>
-          <p:cNvPr id="47" name="TextBox 46">
-            <a:extLst>
-              <a:ext uri="{FF2B5EF4-FFF2-40B4-BE49-F238E27FC236}">
-                <a16:creationId xmlns:a16="http://schemas.microsoft.com/office/drawing/2014/main" id="{791A7435-1CBD-4D64-B373-CDF617409EFD}"/>
-              </a:ext>
-            </a:extLst>
-          </p:cNvPr>
-          <p:cNvSpPr txBox="1"/>
-          <p:nvPr/>
-        </p:nvSpPr>
-        <p:spPr>
-          <a:xfrm>
-            <a:off x="4211606" y="4627423"/>
-            <a:ext cx="853127" cy="369460"/>
-          </a:xfrm>
-          <a:prstGeom prst="rect">
-            <a:avLst/>
-          </a:prstGeom>
-          <a:noFill/>
-        </p:spPr>
-        <p:txBody>
-          <a:bodyPr wrap="square" rtlCol="0">
-            <a:spAutoFit/>
-          </a:bodyPr>
-          <a:lstStyle/>
-          <a:p>
-            <a:r>
-              <a:rPr lang="en-SG" sz="1801" dirty="0"/>
-              <a:t>[else]</a:t>
-            </a:r>
-          </a:p>
-        </p:txBody>
-      </p:sp>
-      <p:sp>
-        <p:nvSpPr>
           <p:cNvPr id="48" name="TextBox 47">
             <a:extLst>
               <a:ext uri="{FF2B5EF4-FFF2-40B4-BE49-F238E27FC236}">
@@ -3831,41 +3796,6 @@
           </p:txBody>
         </p:sp>
       </p:grpSp>
-      <p:sp>
-        <p:nvSpPr>
-          <p:cNvPr id="20" name="TextBox 19">
-            <a:extLst>
-              <a:ext uri="{FF2B5EF4-FFF2-40B4-BE49-F238E27FC236}">
-                <a16:creationId xmlns:a16="http://schemas.microsoft.com/office/drawing/2014/main" id="{018C0170-F373-1F40-8FC8-731E77DCA30B}"/>
-              </a:ext>
-            </a:extLst>
-          </p:cNvPr>
-          <p:cNvSpPr txBox="1"/>
-          <p:nvPr/>
-        </p:nvSpPr>
-        <p:spPr>
-          <a:xfrm>
-            <a:off x="3706421" y="4996883"/>
-            <a:ext cx="1891041" cy="584775"/>
-          </a:xfrm>
-          <a:prstGeom prst="rect">
-            <a:avLst/>
-          </a:prstGeom>
-          <a:noFill/>
-        </p:spPr>
-        <p:txBody>
-          <a:bodyPr wrap="square" rtlCol="0">
-            <a:spAutoFit/>
-          </a:bodyPr>
-          <a:lstStyle/>
-          <a:p>
-            <a:r>
-              <a:rPr lang="en-SG" sz="1600" dirty="0"/>
-              <a:t>[the transformation is customised]</a:t>
-            </a:r>
-          </a:p>
-        </p:txBody>
-      </p:sp>
       <p:sp>
         <p:nvSpPr>
           <p:cNvPr id="21" name="TextBox 20">
